--- a/DATADELITO/MONO.pptx
+++ b/DATADELITO/MONO.pptx
@@ -259,7 +259,7 @@
           <a:p>
             <a:fld id="{045F08E9-3C10-41FC-B67D-0A68B48124C7}" type="datetimeFigureOut">
               <a:rPr lang="es-ES" smtClean="0"/>
-              <a:t>17/09/2020</a:t>
+              <a:t>21/09/2020</a:t>
             </a:fld>
             <a:endParaRPr lang="es-ES"/>
           </a:p>
@@ -457,7 +457,7 @@
           <a:p>
             <a:fld id="{045F08E9-3C10-41FC-B67D-0A68B48124C7}" type="datetimeFigureOut">
               <a:rPr lang="es-ES" smtClean="0"/>
-              <a:t>17/09/2020</a:t>
+              <a:t>21/09/2020</a:t>
             </a:fld>
             <a:endParaRPr lang="es-ES"/>
           </a:p>
@@ -665,7 +665,7 @@
           <a:p>
             <a:fld id="{045F08E9-3C10-41FC-B67D-0A68B48124C7}" type="datetimeFigureOut">
               <a:rPr lang="es-ES" smtClean="0"/>
-              <a:t>17/09/2020</a:t>
+              <a:t>21/09/2020</a:t>
             </a:fld>
             <a:endParaRPr lang="es-ES"/>
           </a:p>
@@ -863,7 +863,7 @@
           <a:p>
             <a:fld id="{045F08E9-3C10-41FC-B67D-0A68B48124C7}" type="datetimeFigureOut">
               <a:rPr lang="es-ES" smtClean="0"/>
-              <a:t>17/09/2020</a:t>
+              <a:t>21/09/2020</a:t>
             </a:fld>
             <a:endParaRPr lang="es-ES"/>
           </a:p>
@@ -1138,7 +1138,7 @@
           <a:p>
             <a:fld id="{045F08E9-3C10-41FC-B67D-0A68B48124C7}" type="datetimeFigureOut">
               <a:rPr lang="es-ES" smtClean="0"/>
-              <a:t>17/09/2020</a:t>
+              <a:t>21/09/2020</a:t>
             </a:fld>
             <a:endParaRPr lang="es-ES"/>
           </a:p>
@@ -1403,7 +1403,7 @@
           <a:p>
             <a:fld id="{045F08E9-3C10-41FC-B67D-0A68B48124C7}" type="datetimeFigureOut">
               <a:rPr lang="es-ES" smtClean="0"/>
-              <a:t>17/09/2020</a:t>
+              <a:t>21/09/2020</a:t>
             </a:fld>
             <a:endParaRPr lang="es-ES"/>
           </a:p>
@@ -1815,7 +1815,7 @@
           <a:p>
             <a:fld id="{045F08E9-3C10-41FC-B67D-0A68B48124C7}" type="datetimeFigureOut">
               <a:rPr lang="es-ES" smtClean="0"/>
-              <a:t>17/09/2020</a:t>
+              <a:t>21/09/2020</a:t>
             </a:fld>
             <a:endParaRPr lang="es-ES"/>
           </a:p>
@@ -1956,7 +1956,7 @@
           <a:p>
             <a:fld id="{045F08E9-3C10-41FC-B67D-0A68B48124C7}" type="datetimeFigureOut">
               <a:rPr lang="es-ES" smtClean="0"/>
-              <a:t>17/09/2020</a:t>
+              <a:t>21/09/2020</a:t>
             </a:fld>
             <a:endParaRPr lang="es-ES"/>
           </a:p>
@@ -2069,7 +2069,7 @@
           <a:p>
             <a:fld id="{045F08E9-3C10-41FC-B67D-0A68B48124C7}" type="datetimeFigureOut">
               <a:rPr lang="es-ES" smtClean="0"/>
-              <a:t>17/09/2020</a:t>
+              <a:t>21/09/2020</a:t>
             </a:fld>
             <a:endParaRPr lang="es-ES"/>
           </a:p>
@@ -2380,7 +2380,7 @@
           <a:p>
             <a:fld id="{045F08E9-3C10-41FC-B67D-0A68B48124C7}" type="datetimeFigureOut">
               <a:rPr lang="es-ES" smtClean="0"/>
-              <a:t>17/09/2020</a:t>
+              <a:t>21/09/2020</a:t>
             </a:fld>
             <a:endParaRPr lang="es-ES"/>
           </a:p>
@@ -2668,7 +2668,7 @@
           <a:p>
             <a:fld id="{045F08E9-3C10-41FC-B67D-0A68B48124C7}" type="datetimeFigureOut">
               <a:rPr lang="es-ES" smtClean="0"/>
-              <a:t>17/09/2020</a:t>
+              <a:t>21/09/2020</a:t>
             </a:fld>
             <a:endParaRPr lang="es-ES"/>
           </a:p>
@@ -2909,7 +2909,7 @@
           <a:p>
             <a:fld id="{045F08E9-3C10-41FC-B67D-0A68B48124C7}" type="datetimeFigureOut">
               <a:rPr lang="es-ES" smtClean="0"/>
-              <a:t>17/09/2020</a:t>
+              <a:t>21/09/2020</a:t>
             </a:fld>
             <a:endParaRPr lang="es-ES"/>
           </a:p>
@@ -5036,6 +5036,144 @@
           </a:fontRef>
         </p:style>
       </p:cxnSp>
+      <p:sp>
+        <p:nvSpPr>
+          <p:cNvPr id="2" name="Elipse 1">
+            <a:extLst>
+              <a:ext uri="{FF2B5EF4-FFF2-40B4-BE49-F238E27FC236}">
+                <a16:creationId xmlns:a16="http://schemas.microsoft.com/office/drawing/2014/main" id="{117DC298-F3E9-452E-8960-C5391890B01D}"/>
+              </a:ext>
+            </a:extLst>
+          </p:cNvPr>
+          <p:cNvSpPr/>
+          <p:nvPr/>
+        </p:nvSpPr>
+        <p:spPr>
+          <a:xfrm>
+            <a:off x="7933515" y="3711746"/>
+            <a:ext cx="346554" cy="326665"/>
+          </a:xfrm>
+          <a:prstGeom prst="ellipse">
+            <a:avLst/>
+          </a:prstGeom>
+        </p:spPr>
+        <p:style>
+          <a:lnRef idx="2">
+            <a:schemeClr val="accent1">
+              <a:shade val="50000"/>
+            </a:schemeClr>
+          </a:lnRef>
+          <a:fillRef idx="1">
+            <a:schemeClr val="accent1"/>
+          </a:fillRef>
+          <a:effectRef idx="0">
+            <a:schemeClr val="accent1"/>
+          </a:effectRef>
+          <a:fontRef idx="minor">
+            <a:schemeClr val="lt1"/>
+          </a:fontRef>
+        </p:style>
+        <p:txBody>
+          <a:bodyPr rtlCol="0" anchor="ctr"/>
+          <a:lstStyle/>
+          <a:p>
+            <a:pPr algn="ctr"/>
+            <a:endParaRPr lang="es-ES"/>
+          </a:p>
+        </p:txBody>
+      </p:sp>
+      <p:sp>
+        <p:nvSpPr>
+          <p:cNvPr id="3" name="Elipse 2">
+            <a:extLst>
+              <a:ext uri="{FF2B5EF4-FFF2-40B4-BE49-F238E27FC236}">
+                <a16:creationId xmlns:a16="http://schemas.microsoft.com/office/drawing/2014/main" id="{D4038922-714B-4C1E-97B6-8DADB1E877A7}"/>
+              </a:ext>
+            </a:extLst>
+          </p:cNvPr>
+          <p:cNvSpPr/>
+          <p:nvPr/>
+        </p:nvSpPr>
+        <p:spPr>
+          <a:xfrm>
+            <a:off x="8489458" y="3711745"/>
+            <a:ext cx="346554" cy="326665"/>
+          </a:xfrm>
+          <a:prstGeom prst="ellipse">
+            <a:avLst/>
+          </a:prstGeom>
+        </p:spPr>
+        <p:style>
+          <a:lnRef idx="2">
+            <a:schemeClr val="accent1">
+              <a:shade val="50000"/>
+            </a:schemeClr>
+          </a:lnRef>
+          <a:fillRef idx="1">
+            <a:schemeClr val="accent1"/>
+          </a:fillRef>
+          <a:effectRef idx="0">
+            <a:schemeClr val="accent1"/>
+          </a:effectRef>
+          <a:fontRef idx="minor">
+            <a:schemeClr val="lt1"/>
+          </a:fontRef>
+        </p:style>
+        <p:txBody>
+          <a:bodyPr rtlCol="0" anchor="ctr"/>
+          <a:lstStyle/>
+          <a:p>
+            <a:pPr algn="ctr"/>
+            <a:endParaRPr lang="es-ES"/>
+          </a:p>
+        </p:txBody>
+      </p:sp>
+      <p:sp>
+        <p:nvSpPr>
+          <p:cNvPr id="5" name="Elipse 4">
+            <a:extLst>
+              <a:ext uri="{FF2B5EF4-FFF2-40B4-BE49-F238E27FC236}">
+                <a16:creationId xmlns:a16="http://schemas.microsoft.com/office/drawing/2014/main" id="{547753B3-5735-4397-B3B8-C30A518ED1A7}"/>
+              </a:ext>
+            </a:extLst>
+          </p:cNvPr>
+          <p:cNvSpPr/>
+          <p:nvPr/>
+        </p:nvSpPr>
+        <p:spPr>
+          <a:xfrm>
+            <a:off x="8980276" y="3711745"/>
+            <a:ext cx="346554" cy="326665"/>
+          </a:xfrm>
+          <a:prstGeom prst="ellipse">
+            <a:avLst/>
+          </a:prstGeom>
+        </p:spPr>
+        <p:style>
+          <a:lnRef idx="2">
+            <a:schemeClr val="accent1">
+              <a:shade val="50000"/>
+            </a:schemeClr>
+          </a:lnRef>
+          <a:fillRef idx="1">
+            <a:schemeClr val="accent1"/>
+          </a:fillRef>
+          <a:effectRef idx="0">
+            <a:schemeClr val="accent1"/>
+          </a:effectRef>
+          <a:fontRef idx="minor">
+            <a:schemeClr val="lt1"/>
+          </a:fontRef>
+        </p:style>
+        <p:txBody>
+          <a:bodyPr rtlCol="0" anchor="ctr"/>
+          <a:lstStyle/>
+          <a:p>
+            <a:pPr algn="ctr"/>
+            <a:endParaRPr lang="es-ES"/>
+          </a:p>
+        </p:txBody>
+      </p:sp>
     </p:spTree>
     <p:extLst>
       <p:ext uri="{BB962C8B-B14F-4D97-AF65-F5344CB8AC3E}">
